--- a/android/internationalization/doc/slides.pptx
+++ b/android/internationalization/doc/slides.pptx
@@ -111,6 +111,11 @@
       </a:defRPr>
     </a:lvl9pPr>
   </p:defaultTextStyle>
+  <p:extLst>
+    <p:ext uri="{EFAFB233-063F-42B5-8137-9DF3F51BA10A}">
+      <p15:sldGuideLst xmlns:p15="http://schemas.microsoft.com/office/powerpoint/2012/main"/>
+    </p:ext>
+  </p:extLst>
 </p:presentation>
 </file>
 
@@ -196,7 +201,7 @@
           <a:p>
             <a:fld id="{3B4B4F03-DCBC-4DEB-840F-4E5E69E02D2B}" type="datetimeFigureOut">
               <a:rPr lang="en-US" smtClean="0"/>
-              <a:t>7/30/2015</a:t>
+              <a:t>8/6/2015</a:t>
             </a:fld>
             <a:endParaRPr lang="en-US"/>
           </a:p>
@@ -3866,15 +3871,6 @@
               </a:rPr>
               <a:t>Resources which do not need localization - declare in default resource file instead of declaring in all localized resource files</a:t>
             </a:r>
-            <a:endParaRPr lang="en-US" sz="2666" dirty="0">
-              <a:solidFill>
-                <a:srgbClr val="000000"/>
-              </a:solidFill>
-              <a:latin typeface="Arial"/>
-              <a:ea typeface="Arial"/>
-              <a:cs typeface="Arial"/>
-              <a:sym typeface="Arial"/>
-            </a:endParaRPr>
           </a:p>
         </p:txBody>
       </p:sp>
@@ -4879,9 +4875,480 @@
           </a:p>
         </p:txBody>
       </p:sp>
+      <p:sp>
+        <p:nvSpPr>
+          <p:cNvPr id="9" name="Shape 47"/>
+          <p:cNvSpPr txBox="1"/>
+          <p:nvPr/>
+        </p:nvSpPr>
+        <p:spPr>
+          <a:xfrm>
+            <a:off x="746059" y="5675083"/>
+            <a:ext cx="2904300" cy="702516"/>
+          </a:xfrm>
+          <a:prstGeom prst="rect">
+            <a:avLst/>
+          </a:prstGeom>
+          <a:noFill/>
+          <a:ln>
+            <a:noFill/>
+          </a:ln>
+        </p:spPr>
+        <p:txBody>
+          <a:bodyPr lIns="38100" tIns="38100" rIns="38100" bIns="38100" anchor="t" anchorCtr="0">
+            <a:noAutofit/>
+          </a:bodyPr>
+          <a:lstStyle/>
+          <a:p>
+            <a:pPr rtl="0">
+              <a:lnSpc>
+                <a:spcPct val="100000"/>
+              </a:lnSpc>
+              <a:spcBef>
+                <a:spcPts val="0"/>
+              </a:spcBef>
+              <a:buNone/>
+            </a:pPr>
+            <a:r>
+              <a:rPr lang="en-US" sz="1600" dirty="0">
+                <a:solidFill>
+                  <a:srgbClr val="000000"/>
+                </a:solidFill>
+                <a:latin typeface="Arial"/>
+                <a:ea typeface="Arial"/>
+                <a:cs typeface="Arial"/>
+                <a:sym typeface="Arial"/>
+              </a:rPr>
+              <a:t>English :</a:t>
+            </a:r>
+            <a:r>
+              <a:rPr lang="en-US" sz="1600" dirty="0">
+                <a:solidFill>
+                  <a:srgbClr val="000000"/>
+                </a:solidFill>
+                <a:latin typeface="courier new"/>
+                <a:ea typeface="courier new"/>
+                <a:cs typeface="courier new"/>
+                <a:sym typeface="courier new"/>
+              </a:rPr>
+              <a:t> </a:t>
+            </a:r>
+          </a:p>
+          <a:p>
+            <a:pPr rtl="0">
+              <a:lnSpc>
+                <a:spcPct val="100000"/>
+              </a:lnSpc>
+              <a:spcBef>
+                <a:spcPts val="0"/>
+              </a:spcBef>
+              <a:buNone/>
+            </a:pPr>
+            <a:r>
+              <a:rPr lang="en-US" sz="1600" dirty="0">
+                <a:solidFill>
+                  <a:srgbClr val="000000"/>
+                </a:solidFill>
+                <a:latin typeface="courier new"/>
+                <a:ea typeface="courier new"/>
+                <a:cs typeface="courier new"/>
+                <a:sym typeface="courier new"/>
+              </a:rPr>
+              <a:t>res/values/strings.xml </a:t>
+            </a:r>
+          </a:p>
+        </p:txBody>
+      </p:sp>
+      <p:sp>
+        <p:nvSpPr>
+          <p:cNvPr id="10" name="Shape 41"/>
+          <p:cNvSpPr txBox="1"/>
+          <p:nvPr/>
+        </p:nvSpPr>
+        <p:spPr>
+          <a:xfrm>
+            <a:off x="8382572" y="365125"/>
+            <a:ext cx="3511399" cy="839534"/>
+          </a:xfrm>
+          <a:prstGeom prst="rect">
+            <a:avLst/>
+          </a:prstGeom>
+          <a:noFill/>
+          <a:ln>
+            <a:noFill/>
+          </a:ln>
+        </p:spPr>
+        <p:txBody>
+          <a:bodyPr lIns="38100" tIns="38100" rIns="38100" bIns="38100" anchor="t" anchorCtr="0">
+            <a:noAutofit/>
+          </a:bodyPr>
+          <a:lstStyle/>
+          <a:p>
+            <a:pPr rtl="0">
+              <a:lnSpc>
+                <a:spcPct val="100000"/>
+              </a:lnSpc>
+              <a:spcBef>
+                <a:spcPts val="0"/>
+              </a:spcBef>
+              <a:buNone/>
+            </a:pPr>
+            <a:r>
+              <a:rPr lang="en-US" sz="2133" dirty="0">
+                <a:solidFill>
+                  <a:srgbClr val="000000"/>
+                </a:solidFill>
+                <a:latin typeface="Arial"/>
+                <a:ea typeface="Arial"/>
+                <a:cs typeface="Arial"/>
+                <a:sym typeface="Arial"/>
+              </a:rPr>
+              <a:t>The emulator locale can be changed using the adb shell</a:t>
+            </a:r>
+          </a:p>
+        </p:txBody>
+      </p:sp>
+      <p:sp>
+        <p:nvSpPr>
+          <p:cNvPr id="11" name="Shape 42"/>
+          <p:cNvSpPr txBox="1"/>
+          <p:nvPr/>
+        </p:nvSpPr>
+        <p:spPr>
+          <a:xfrm>
+            <a:off x="8042803" y="1204660"/>
+            <a:ext cx="4190939" cy="4721775"/>
+          </a:xfrm>
+          <a:prstGeom prst="rect">
+            <a:avLst/>
+          </a:prstGeom>
+          <a:noFill/>
+          <a:ln>
+            <a:noFill/>
+          </a:ln>
+        </p:spPr>
+        <p:txBody>
+          <a:bodyPr lIns="38100" tIns="38100" rIns="38100" bIns="38100" anchor="t" anchorCtr="0">
+            <a:noAutofit/>
+          </a:bodyPr>
+          <a:lstStyle/>
+          <a:p>
+            <a:pPr marL="537634" marR="0" lvl="0" indent="-342900" rtl="0">
+              <a:lnSpc>
+                <a:spcPct val="100000"/>
+              </a:lnSpc>
+              <a:spcBef>
+                <a:spcPts val="0"/>
+              </a:spcBef>
+              <a:spcAft>
+                <a:spcPts val="0"/>
+              </a:spcAft>
+              <a:buClr>
+                <a:srgbClr val="000000"/>
+              </a:buClr>
+              <a:buSzPct val="101587"/>
+              <a:buFont typeface="Arial" panose="020B0604020202020204" pitchFamily="34" charset="0"/>
+              <a:buChar char="•"/>
+            </a:pPr>
+            <a:r>
+              <a:rPr lang="en-US" sz="2133" dirty="0">
+                <a:solidFill>
+                  <a:srgbClr val="000000"/>
+                </a:solidFill>
+                <a:latin typeface="Arial"/>
+                <a:ea typeface="Arial"/>
+                <a:cs typeface="Arial"/>
+                <a:sym typeface="Arial"/>
+              </a:rPr>
+              <a:t>Pick the language code to which you want to change the locale </a:t>
+            </a:r>
+            <a:r>
+              <a:rPr lang="en-US" sz="2133" dirty="0" smtClean="0">
+                <a:solidFill>
+                  <a:srgbClr val="000000"/>
+                </a:solidFill>
+                <a:latin typeface="Arial"/>
+                <a:ea typeface="Arial"/>
+                <a:cs typeface="Arial"/>
+                <a:sym typeface="Arial"/>
+              </a:rPr>
+              <a:t>to</a:t>
+            </a:r>
+            <a:endParaRPr lang="en-US" sz="2133" dirty="0">
+              <a:solidFill>
+                <a:srgbClr val="000000"/>
+              </a:solidFill>
+              <a:latin typeface="Arial"/>
+              <a:ea typeface="Arial"/>
+              <a:cs typeface="Arial"/>
+              <a:sym typeface="Arial"/>
+            </a:endParaRPr>
+          </a:p>
+          <a:p>
+            <a:pPr marL="537634" marR="0" lvl="0" indent="-342900" rtl="0">
+              <a:lnSpc>
+                <a:spcPct val="100000"/>
+              </a:lnSpc>
+              <a:spcBef>
+                <a:spcPts val="0"/>
+              </a:spcBef>
+              <a:spcAft>
+                <a:spcPts val="0"/>
+              </a:spcAft>
+              <a:buClr>
+                <a:srgbClr val="000000"/>
+              </a:buClr>
+              <a:buSzPct val="101587"/>
+              <a:buFont typeface="Arial" panose="020B0604020202020204" pitchFamily="34" charset="0"/>
+              <a:buChar char="•"/>
+            </a:pPr>
+            <a:r>
+              <a:rPr lang="en-US" sz="2133" dirty="0">
+                <a:solidFill>
+                  <a:srgbClr val="000000"/>
+                </a:solidFill>
+                <a:latin typeface="Arial"/>
+                <a:ea typeface="Arial"/>
+                <a:cs typeface="Arial"/>
+                <a:sym typeface="Arial"/>
+              </a:rPr>
+              <a:t>Once the emulator is launched, run adb shell:</a:t>
+            </a:r>
+          </a:p>
+          <a:p>
+            <a:pPr rtl="0">
+              <a:lnSpc>
+                <a:spcPct val="100000"/>
+              </a:lnSpc>
+              <a:spcBef>
+                <a:spcPts val="0"/>
+              </a:spcBef>
+            </a:pPr>
+            <a:r>
+              <a:rPr lang="en-US" sz="2133" dirty="0">
+                <a:solidFill>
+                  <a:srgbClr val="000000"/>
+                </a:solidFill>
+                <a:latin typeface="courier new"/>
+                <a:ea typeface="courier new"/>
+                <a:cs typeface="courier new"/>
+                <a:sym typeface="courier new"/>
+              </a:rPr>
+              <a:t> </a:t>
+            </a:r>
+            <a:r>
+              <a:rPr lang="en-US" sz="2133" dirty="0" smtClean="0">
+                <a:solidFill>
+                  <a:srgbClr val="000000"/>
+                </a:solidFill>
+                <a:latin typeface="courier new"/>
+                <a:ea typeface="courier new"/>
+                <a:cs typeface="courier new"/>
+                <a:sym typeface="courier new"/>
+              </a:rPr>
+              <a:t> adb </a:t>
+            </a:r>
+            <a:r>
+              <a:rPr lang="en-US" sz="2133" dirty="0">
+                <a:solidFill>
+                  <a:srgbClr val="000000"/>
+                </a:solidFill>
+                <a:latin typeface="courier new"/>
+                <a:ea typeface="courier new"/>
+                <a:cs typeface="courier new"/>
+                <a:sym typeface="courier new"/>
+              </a:rPr>
+              <a:t>shell</a:t>
+            </a:r>
+          </a:p>
+          <a:p>
+            <a:pPr marL="537634" marR="0" lvl="0" indent="-342900" rtl="0">
+              <a:lnSpc>
+                <a:spcPct val="100000"/>
+              </a:lnSpc>
+              <a:spcBef>
+                <a:spcPts val="0"/>
+              </a:spcBef>
+              <a:spcAft>
+                <a:spcPts val="0"/>
+              </a:spcAft>
+              <a:buClr>
+                <a:srgbClr val="000000"/>
+              </a:buClr>
+              <a:buSzPct val="101587"/>
+              <a:buFont typeface="Arial" panose="020B0604020202020204" pitchFamily="34" charset="0"/>
+              <a:buChar char="•"/>
+            </a:pPr>
+            <a:r>
+              <a:rPr lang="en-US" sz="2133" dirty="0">
+                <a:solidFill>
+                  <a:srgbClr val="000000"/>
+                </a:solidFill>
+                <a:latin typeface="Arial"/>
+                <a:ea typeface="Arial"/>
+                <a:cs typeface="Arial"/>
+                <a:sym typeface="Arial"/>
+              </a:rPr>
+              <a:t>In adb shell prompt, run:</a:t>
+            </a:r>
+          </a:p>
+          <a:p>
+            <a:pPr marL="381000" marR="0" rtl="0">
+              <a:lnSpc>
+                <a:spcPct val="100000"/>
+              </a:lnSpc>
+              <a:spcBef>
+                <a:spcPts val="0"/>
+              </a:spcBef>
+              <a:spcAft>
+                <a:spcPts val="0"/>
+              </a:spcAft>
+            </a:pPr>
+            <a:r>
+              <a:rPr lang="en-US" sz="2133" dirty="0" smtClean="0">
+                <a:solidFill>
+                  <a:srgbClr val="000000"/>
+                </a:solidFill>
+                <a:latin typeface="courier new"/>
+                <a:ea typeface="courier new"/>
+                <a:cs typeface="courier new"/>
+                <a:sym typeface="courier new"/>
+              </a:rPr>
+              <a:t>setprop       persist.sys.language   de;stop;sleep 5;start</a:t>
+            </a:r>
+            <a:r>
+              <a:rPr lang="en-US" sz="2133" dirty="0">
+                <a:solidFill>
+                  <a:srgbClr val="000000"/>
+                </a:solidFill>
+                <a:latin typeface="courier new"/>
+                <a:ea typeface="courier new"/>
+                <a:cs typeface="courier new"/>
+                <a:sym typeface="courier new"/>
+              </a:rPr>
+              <a:t> </a:t>
+            </a:r>
+          </a:p>
+          <a:p>
+            <a:pPr marL="537634" marR="0" lvl="0" indent="-342900" rtl="0">
+              <a:lnSpc>
+                <a:spcPct val="100000"/>
+              </a:lnSpc>
+              <a:spcBef>
+                <a:spcPts val="0"/>
+              </a:spcBef>
+              <a:spcAft>
+                <a:spcPts val="0"/>
+              </a:spcAft>
+              <a:buClr>
+                <a:srgbClr val="000000"/>
+              </a:buClr>
+              <a:buSzPct val="101587"/>
+              <a:buFont typeface="Arial" panose="020B0604020202020204" pitchFamily="34" charset="0"/>
+              <a:buChar char="•"/>
+            </a:pPr>
+            <a:r>
+              <a:rPr lang="en-US" sz="2133" dirty="0">
+                <a:solidFill>
+                  <a:srgbClr val="000000"/>
+                </a:solidFill>
+                <a:latin typeface="Arial"/>
+                <a:ea typeface="Arial"/>
+                <a:cs typeface="Arial"/>
+                <a:sym typeface="Arial"/>
+              </a:rPr>
+              <a:t>The emulator will restart</a:t>
+            </a:r>
+          </a:p>
+        </p:txBody>
+      </p:sp>
+      <p:sp>
+        <p:nvSpPr>
+          <p:cNvPr id="12" name="Shape 48"/>
+          <p:cNvSpPr txBox="1"/>
+          <p:nvPr/>
+        </p:nvSpPr>
+        <p:spPr>
+          <a:xfrm>
+            <a:off x="4245392" y="337017"/>
+            <a:ext cx="3313675" cy="895749"/>
+          </a:xfrm>
+          <a:prstGeom prst="rect">
+            <a:avLst/>
+          </a:prstGeom>
+          <a:noFill/>
+          <a:ln>
+            <a:noFill/>
+          </a:ln>
+        </p:spPr>
+        <p:txBody>
+          <a:bodyPr lIns="38100" tIns="38100" rIns="38100" bIns="38100" anchor="t" anchorCtr="0">
+            <a:noAutofit/>
+          </a:bodyPr>
+          <a:lstStyle/>
+          <a:p>
+            <a:pPr rtl="0">
+              <a:lnSpc>
+                <a:spcPct val="100000"/>
+              </a:lnSpc>
+              <a:spcBef>
+                <a:spcPts val="0"/>
+              </a:spcBef>
+              <a:buNone/>
+            </a:pPr>
+            <a:r>
+              <a:rPr lang="en-US" sz="1600" dirty="0">
+                <a:solidFill>
+                  <a:srgbClr val="000000"/>
+                </a:solidFill>
+                <a:latin typeface="Arial"/>
+                <a:ea typeface="Arial"/>
+                <a:cs typeface="Arial"/>
+                <a:sym typeface="Arial"/>
+              </a:rPr>
+              <a:t>German :</a:t>
+            </a:r>
+            <a:r>
+              <a:rPr lang="en-US" sz="1600" dirty="0">
+                <a:solidFill>
+                  <a:srgbClr val="000000"/>
+                </a:solidFill>
+                <a:latin typeface="courier new"/>
+                <a:ea typeface="courier new"/>
+                <a:cs typeface="courier new"/>
+                <a:sym typeface="courier new"/>
+              </a:rPr>
+              <a:t> </a:t>
+            </a:r>
+          </a:p>
+          <a:p>
+            <a:pPr rtl="0">
+              <a:lnSpc>
+                <a:spcPct val="100000"/>
+              </a:lnSpc>
+              <a:spcBef>
+                <a:spcPts val="0"/>
+              </a:spcBef>
+              <a:buNone/>
+            </a:pPr>
+            <a:r>
+              <a:rPr lang="en-US" sz="1600" dirty="0">
+                <a:solidFill>
+                  <a:srgbClr val="000000"/>
+                </a:solidFill>
+                <a:latin typeface="courier new"/>
+                <a:ea typeface="courier new"/>
+                <a:cs typeface="courier new"/>
+                <a:sym typeface="courier new"/>
+              </a:rPr>
+              <a:t>res/values-de/strings.xml </a:t>
+            </a:r>
+          </a:p>
+        </p:txBody>
+      </p:sp>
       <p:pic>
         <p:nvPicPr>
-          <p:cNvPr id="7" name="Picture 6"/>
+          <p:cNvPr id="2" name="Picture 1"/>
           <p:cNvPicPr>
             <a:picLocks noChangeAspect="1"/>
           </p:cNvPicPr>
@@ -4901,8 +5368,8 @@
         </p:blipFill>
         <p:spPr>
           <a:xfrm>
-            <a:off x="204786" y="296091"/>
-            <a:ext cx="3857625" cy="4589418"/>
+            <a:off x="746059" y="435597"/>
+            <a:ext cx="2947212" cy="5239486"/>
           </a:xfrm>
           <a:prstGeom prst="rect">
             <a:avLst/>
@@ -4911,7 +5378,7 @@
       </p:pic>
       <p:pic>
         <p:nvPicPr>
-          <p:cNvPr id="8" name="Picture 7"/>
+          <p:cNvPr id="3" name="Picture 2"/>
           <p:cNvPicPr>
             <a:picLocks noChangeAspect="1"/>
           </p:cNvPicPr>
@@ -4931,8 +5398,8 @@
         </p:blipFill>
         <p:spPr>
           <a:xfrm>
-            <a:off x="4185178" y="1779790"/>
-            <a:ext cx="3857625" cy="4589419"/>
+            <a:off x="4245392" y="907731"/>
+            <a:ext cx="3202378" cy="5693116"/>
           </a:xfrm>
           <a:prstGeom prst="rect">
             <a:avLst/>
@@ -4941,497 +5408,14 @@
       </p:pic>
       <p:sp>
         <p:nvSpPr>
-          <p:cNvPr id="9" name="Shape 47"/>
-          <p:cNvSpPr txBox="1"/>
+          <p:cNvPr id="17" name="Shape 27"/>
+          <p:cNvSpPr/>
           <p:nvPr/>
         </p:nvSpPr>
         <p:spPr>
           <a:xfrm>
-            <a:off x="909053" y="5323815"/>
-            <a:ext cx="2904300" cy="886150"/>
-          </a:xfrm>
-          <a:prstGeom prst="rect">
-            <a:avLst/>
-          </a:prstGeom>
-          <a:noFill/>
-          <a:ln>
-            <a:noFill/>
-          </a:ln>
-        </p:spPr>
-        <p:txBody>
-          <a:bodyPr lIns="38100" tIns="38100" rIns="38100" bIns="38100" anchor="t" anchorCtr="0">
-            <a:noAutofit/>
-          </a:bodyPr>
-          <a:lstStyle/>
-          <a:p>
-            <a:pPr rtl="0">
-              <a:lnSpc>
-                <a:spcPct val="100000"/>
-              </a:lnSpc>
-              <a:spcBef>
-                <a:spcPts val="0"/>
-              </a:spcBef>
-              <a:buNone/>
-            </a:pPr>
-            <a:r>
-              <a:rPr lang="en-US" sz="1600" dirty="0">
-                <a:solidFill>
-                  <a:srgbClr val="000000"/>
-                </a:solidFill>
-                <a:latin typeface="Arial"/>
-                <a:ea typeface="Arial"/>
-                <a:cs typeface="Arial"/>
-                <a:sym typeface="Arial"/>
-              </a:rPr>
-              <a:t>English :</a:t>
-            </a:r>
-            <a:r>
-              <a:rPr lang="en-US" sz="1600" dirty="0">
-                <a:solidFill>
-                  <a:srgbClr val="000000"/>
-                </a:solidFill>
-                <a:latin typeface="courier new"/>
-                <a:ea typeface="courier new"/>
-                <a:cs typeface="courier new"/>
-                <a:sym typeface="courier new"/>
-              </a:rPr>
-              <a:t> </a:t>
-            </a:r>
-          </a:p>
-          <a:p>
-            <a:pPr rtl="0">
-              <a:lnSpc>
-                <a:spcPct val="100000"/>
-              </a:lnSpc>
-              <a:spcBef>
-                <a:spcPts val="0"/>
-              </a:spcBef>
-              <a:buNone/>
-            </a:pPr>
-            <a:r>
-              <a:rPr lang="en-US" sz="1600" dirty="0">
-                <a:solidFill>
-                  <a:srgbClr val="000000"/>
-                </a:solidFill>
-                <a:latin typeface="courier new"/>
-                <a:ea typeface="courier new"/>
-                <a:cs typeface="courier new"/>
-                <a:sym typeface="courier new"/>
-              </a:rPr>
-              <a:t>res/values/strings.xml </a:t>
-            </a:r>
-          </a:p>
-        </p:txBody>
-      </p:sp>
-      <p:sp>
-        <p:nvSpPr>
-          <p:cNvPr id="10" name="Shape 41"/>
-          <p:cNvSpPr txBox="1"/>
-          <p:nvPr/>
-        </p:nvSpPr>
-        <p:spPr>
-          <a:xfrm>
-            <a:off x="8382572" y="365125"/>
-            <a:ext cx="3511399" cy="839534"/>
-          </a:xfrm>
-          <a:prstGeom prst="rect">
-            <a:avLst/>
-          </a:prstGeom>
-          <a:noFill/>
-          <a:ln>
-            <a:noFill/>
-          </a:ln>
-        </p:spPr>
-        <p:txBody>
-          <a:bodyPr lIns="38100" tIns="38100" rIns="38100" bIns="38100" anchor="t" anchorCtr="0">
-            <a:noAutofit/>
-          </a:bodyPr>
-          <a:lstStyle/>
-          <a:p>
-            <a:pPr rtl="0">
-              <a:lnSpc>
-                <a:spcPct val="100000"/>
-              </a:lnSpc>
-              <a:spcBef>
-                <a:spcPts val="0"/>
-              </a:spcBef>
-              <a:buNone/>
-            </a:pPr>
-            <a:r>
-              <a:rPr lang="en-US" sz="2133" dirty="0">
-                <a:solidFill>
-                  <a:srgbClr val="000000"/>
-                </a:solidFill>
-                <a:latin typeface="Arial"/>
-                <a:ea typeface="Arial"/>
-                <a:cs typeface="Arial"/>
-                <a:sym typeface="Arial"/>
-              </a:rPr>
-              <a:t>The emulator locale can be changed using the adb shell</a:t>
-            </a:r>
-          </a:p>
-        </p:txBody>
-      </p:sp>
-      <p:sp>
-        <p:nvSpPr>
-          <p:cNvPr id="11" name="Shape 42"/>
-          <p:cNvSpPr txBox="1"/>
-          <p:nvPr/>
-        </p:nvSpPr>
-        <p:spPr>
-          <a:xfrm>
-            <a:off x="8042803" y="1204660"/>
-            <a:ext cx="4190939" cy="4721775"/>
-          </a:xfrm>
-          <a:prstGeom prst="rect">
-            <a:avLst/>
-          </a:prstGeom>
-          <a:noFill/>
-          <a:ln>
-            <a:noFill/>
-          </a:ln>
-        </p:spPr>
-        <p:txBody>
-          <a:bodyPr lIns="38100" tIns="38100" rIns="38100" bIns="38100" anchor="t" anchorCtr="0">
-            <a:noAutofit/>
-          </a:bodyPr>
-          <a:lstStyle/>
-          <a:p>
-            <a:pPr marL="537634" marR="0" lvl="0" indent="-342900" rtl="0">
-              <a:lnSpc>
-                <a:spcPct val="100000"/>
-              </a:lnSpc>
-              <a:spcBef>
-                <a:spcPts val="0"/>
-              </a:spcBef>
-              <a:spcAft>
-                <a:spcPts val="0"/>
-              </a:spcAft>
-              <a:buClr>
-                <a:srgbClr val="000000"/>
-              </a:buClr>
-              <a:buSzPct val="101587"/>
-              <a:buFont typeface="Arial" panose="020B0604020202020204" pitchFamily="34" charset="0"/>
-              <a:buChar char="•"/>
-            </a:pPr>
-            <a:r>
-              <a:rPr lang="en-US" sz="2133" dirty="0">
-                <a:solidFill>
-                  <a:srgbClr val="000000"/>
-                </a:solidFill>
-                <a:latin typeface="Arial"/>
-                <a:ea typeface="Arial"/>
-                <a:cs typeface="Arial"/>
-                <a:sym typeface="Arial"/>
-              </a:rPr>
-              <a:t>Pick the language code to which you want to change the locale </a:t>
-            </a:r>
-            <a:r>
-              <a:rPr lang="en-US" sz="2133" dirty="0" smtClean="0">
-                <a:solidFill>
-                  <a:srgbClr val="000000"/>
-                </a:solidFill>
-                <a:latin typeface="Arial"/>
-                <a:ea typeface="Arial"/>
-                <a:cs typeface="Arial"/>
-                <a:sym typeface="Arial"/>
-              </a:rPr>
-              <a:t>to</a:t>
-            </a:r>
-            <a:endParaRPr lang="en-US" sz="2133" dirty="0">
-              <a:solidFill>
-                <a:srgbClr val="000000"/>
-              </a:solidFill>
-              <a:latin typeface="Arial"/>
-              <a:ea typeface="Arial"/>
-              <a:cs typeface="Arial"/>
-              <a:sym typeface="Arial"/>
-            </a:endParaRPr>
-          </a:p>
-          <a:p>
-            <a:pPr marL="537634" marR="0" lvl="0" indent="-342900" rtl="0">
-              <a:lnSpc>
-                <a:spcPct val="100000"/>
-              </a:lnSpc>
-              <a:spcBef>
-                <a:spcPts val="0"/>
-              </a:spcBef>
-              <a:spcAft>
-                <a:spcPts val="0"/>
-              </a:spcAft>
-              <a:buClr>
-                <a:srgbClr val="000000"/>
-              </a:buClr>
-              <a:buSzPct val="101587"/>
-              <a:buFont typeface="Arial" panose="020B0604020202020204" pitchFamily="34" charset="0"/>
-              <a:buChar char="•"/>
-            </a:pPr>
-            <a:r>
-              <a:rPr lang="en-US" sz="2133" dirty="0">
-                <a:solidFill>
-                  <a:srgbClr val="000000"/>
-                </a:solidFill>
-                <a:latin typeface="Arial"/>
-                <a:ea typeface="Arial"/>
-                <a:cs typeface="Arial"/>
-                <a:sym typeface="Arial"/>
-              </a:rPr>
-              <a:t>Once the emulator is launched, run adb shell:</a:t>
-            </a:r>
-          </a:p>
-          <a:p>
-            <a:pPr rtl="0">
-              <a:lnSpc>
-                <a:spcPct val="100000"/>
-              </a:lnSpc>
-              <a:spcBef>
-                <a:spcPts val="0"/>
-              </a:spcBef>
-            </a:pPr>
-            <a:r>
-              <a:rPr lang="en-US" sz="2133" dirty="0">
-                <a:solidFill>
-                  <a:srgbClr val="000000"/>
-                </a:solidFill>
-                <a:latin typeface="courier new"/>
-                <a:ea typeface="courier new"/>
-                <a:cs typeface="courier new"/>
-                <a:sym typeface="courier new"/>
-              </a:rPr>
-              <a:t> </a:t>
-            </a:r>
-            <a:r>
-              <a:rPr lang="en-US" sz="2133" dirty="0" smtClean="0">
-                <a:solidFill>
-                  <a:srgbClr val="000000"/>
-                </a:solidFill>
-                <a:latin typeface="courier new"/>
-                <a:ea typeface="courier new"/>
-                <a:cs typeface="courier new"/>
-                <a:sym typeface="courier new"/>
-              </a:rPr>
-              <a:t> </a:t>
-            </a:r>
-            <a:r>
-              <a:rPr lang="en-US" sz="2133" dirty="0" smtClean="0">
-                <a:solidFill>
-                  <a:srgbClr val="000000"/>
-                </a:solidFill>
-                <a:latin typeface="courier new"/>
-                <a:ea typeface="courier new"/>
-                <a:cs typeface="courier new"/>
-                <a:sym typeface="courier new"/>
-              </a:rPr>
-              <a:t>adb </a:t>
-            </a:r>
-            <a:r>
-              <a:rPr lang="en-US" sz="2133" dirty="0">
-                <a:solidFill>
-                  <a:srgbClr val="000000"/>
-                </a:solidFill>
-                <a:latin typeface="courier new"/>
-                <a:ea typeface="courier new"/>
-                <a:cs typeface="courier new"/>
-                <a:sym typeface="courier new"/>
-              </a:rPr>
-              <a:t>shell</a:t>
-            </a:r>
-          </a:p>
-          <a:p>
-            <a:pPr marL="537634" marR="0" lvl="0" indent="-342900" rtl="0">
-              <a:lnSpc>
-                <a:spcPct val="100000"/>
-              </a:lnSpc>
-              <a:spcBef>
-                <a:spcPts val="0"/>
-              </a:spcBef>
-              <a:spcAft>
-                <a:spcPts val="0"/>
-              </a:spcAft>
-              <a:buClr>
-                <a:srgbClr val="000000"/>
-              </a:buClr>
-              <a:buSzPct val="101587"/>
-              <a:buFont typeface="Arial" panose="020B0604020202020204" pitchFamily="34" charset="0"/>
-              <a:buChar char="•"/>
-            </a:pPr>
-            <a:r>
-              <a:rPr lang="en-US" sz="2133" dirty="0">
-                <a:solidFill>
-                  <a:srgbClr val="000000"/>
-                </a:solidFill>
-                <a:latin typeface="Arial"/>
-                <a:ea typeface="Arial"/>
-                <a:cs typeface="Arial"/>
-                <a:sym typeface="Arial"/>
-              </a:rPr>
-              <a:t>In adb shell prompt, run:</a:t>
-            </a:r>
-          </a:p>
-          <a:p>
-            <a:pPr marL="381000" marR="0" rtl="0">
-              <a:lnSpc>
-                <a:spcPct val="100000"/>
-              </a:lnSpc>
-              <a:spcBef>
-                <a:spcPts val="0"/>
-              </a:spcBef>
-              <a:spcAft>
-                <a:spcPts val="0"/>
-              </a:spcAft>
-            </a:pPr>
-            <a:r>
-              <a:rPr lang="en-US" sz="2133" dirty="0" smtClean="0">
-                <a:solidFill>
-                  <a:srgbClr val="000000"/>
-                </a:solidFill>
-                <a:latin typeface="courier new"/>
-                <a:ea typeface="courier new"/>
-                <a:cs typeface="courier new"/>
-                <a:sym typeface="courier new"/>
-              </a:rPr>
-              <a:t>setprop       persist.sys.language   de;stop;sleep 5;start</a:t>
-            </a:r>
-            <a:r>
-              <a:rPr lang="en-US" sz="2133" dirty="0">
-                <a:solidFill>
-                  <a:srgbClr val="000000"/>
-                </a:solidFill>
-                <a:latin typeface="courier new"/>
-                <a:ea typeface="courier new"/>
-                <a:cs typeface="courier new"/>
-                <a:sym typeface="courier new"/>
-              </a:rPr>
-              <a:t> </a:t>
-            </a:r>
-          </a:p>
-          <a:p>
-            <a:pPr marL="537634" marR="0" lvl="0" indent="-342900" rtl="0">
-              <a:lnSpc>
-                <a:spcPct val="100000"/>
-              </a:lnSpc>
-              <a:spcBef>
-                <a:spcPts val="0"/>
-              </a:spcBef>
-              <a:spcAft>
-                <a:spcPts val="0"/>
-              </a:spcAft>
-              <a:buClr>
-                <a:srgbClr val="000000"/>
-              </a:buClr>
-              <a:buSzPct val="101587"/>
-              <a:buFont typeface="Arial" panose="020B0604020202020204" pitchFamily="34" charset="0"/>
-              <a:buChar char="•"/>
-            </a:pPr>
-            <a:r>
-              <a:rPr lang="en-US" sz="2133" dirty="0">
-                <a:solidFill>
-                  <a:srgbClr val="000000"/>
-                </a:solidFill>
-                <a:latin typeface="Arial"/>
-                <a:ea typeface="Arial"/>
-                <a:cs typeface="Arial"/>
-                <a:sym typeface="Arial"/>
-              </a:rPr>
-              <a:t>The emulator will restart</a:t>
-            </a:r>
-          </a:p>
-        </p:txBody>
-      </p:sp>
-      <p:sp>
-        <p:nvSpPr>
-          <p:cNvPr id="12" name="Shape 48"/>
-          <p:cNvSpPr txBox="1"/>
-          <p:nvPr/>
-        </p:nvSpPr>
-        <p:spPr>
-          <a:xfrm>
-            <a:off x="4297089" y="673224"/>
-            <a:ext cx="3313675" cy="895749"/>
-          </a:xfrm>
-          <a:prstGeom prst="rect">
-            <a:avLst/>
-          </a:prstGeom>
-          <a:noFill/>
-          <a:ln>
-            <a:noFill/>
-          </a:ln>
-        </p:spPr>
-        <p:txBody>
-          <a:bodyPr lIns="38100" tIns="38100" rIns="38100" bIns="38100" anchor="t" anchorCtr="0">
-            <a:noAutofit/>
-          </a:bodyPr>
-          <a:lstStyle/>
-          <a:p>
-            <a:pPr rtl="0">
-              <a:lnSpc>
-                <a:spcPct val="100000"/>
-              </a:lnSpc>
-              <a:spcBef>
-                <a:spcPts val="0"/>
-              </a:spcBef>
-              <a:buNone/>
-            </a:pPr>
-            <a:r>
-              <a:rPr lang="en-US" sz="1600" dirty="0">
-                <a:solidFill>
-                  <a:srgbClr val="000000"/>
-                </a:solidFill>
-                <a:latin typeface="Arial"/>
-                <a:ea typeface="Arial"/>
-                <a:cs typeface="Arial"/>
-                <a:sym typeface="Arial"/>
-              </a:rPr>
-              <a:t>German :</a:t>
-            </a:r>
-            <a:r>
-              <a:rPr lang="en-US" sz="1600" dirty="0">
-                <a:solidFill>
-                  <a:srgbClr val="000000"/>
-                </a:solidFill>
-                <a:latin typeface="courier new"/>
-                <a:ea typeface="courier new"/>
-                <a:cs typeface="courier new"/>
-                <a:sym typeface="courier new"/>
-              </a:rPr>
-              <a:t> </a:t>
-            </a:r>
-          </a:p>
-          <a:p>
-            <a:pPr rtl="0">
-              <a:lnSpc>
-                <a:spcPct val="100000"/>
-              </a:lnSpc>
-              <a:spcBef>
-                <a:spcPts val="0"/>
-              </a:spcBef>
-              <a:buNone/>
-            </a:pPr>
-            <a:r>
-              <a:rPr lang="en-US" sz="1600" dirty="0">
-                <a:solidFill>
-                  <a:srgbClr val="000000"/>
-                </a:solidFill>
-                <a:latin typeface="courier new"/>
-                <a:ea typeface="courier new"/>
-                <a:cs typeface="courier new"/>
-                <a:sym typeface="courier new"/>
-              </a:rPr>
-              <a:t>res/values-de/strings.xml </a:t>
-            </a:r>
-          </a:p>
-        </p:txBody>
-      </p:sp>
-      <p:sp>
-        <p:nvSpPr>
-          <p:cNvPr id="13" name="Shape 44"/>
-          <p:cNvSpPr/>
-          <p:nvPr/>
-        </p:nvSpPr>
-        <p:spPr>
-          <a:xfrm>
-            <a:off x="4291478" y="1993863"/>
-            <a:ext cx="2027100" cy="300480"/>
+            <a:off x="746059" y="610803"/>
+            <a:ext cx="1557151" cy="593856"/>
           </a:xfrm>
           <a:prstGeom prst="ellipse">
             <a:avLst/>
@@ -5465,14 +5449,14 @@
       </p:sp>
       <p:sp>
         <p:nvSpPr>
-          <p:cNvPr id="14" name="Shape 44"/>
+          <p:cNvPr id="18" name="Shape 27"/>
           <p:cNvSpPr/>
           <p:nvPr/>
         </p:nvSpPr>
         <p:spPr>
           <a:xfrm>
-            <a:off x="5100441" y="4031296"/>
-            <a:ext cx="2027100" cy="300480"/>
+            <a:off x="1504740" y="2846015"/>
+            <a:ext cx="1557151" cy="593856"/>
           </a:xfrm>
           <a:prstGeom prst="ellipse">
             <a:avLst/>
@@ -5506,14 +5490,14 @@
       </p:sp>
       <p:sp>
         <p:nvSpPr>
-          <p:cNvPr id="15" name="Shape 44"/>
+          <p:cNvPr id="19" name="Shape 27"/>
           <p:cNvSpPr/>
           <p:nvPr/>
         </p:nvSpPr>
         <p:spPr>
           <a:xfrm>
-            <a:off x="1153712" y="2586080"/>
-            <a:ext cx="2027100" cy="300480"/>
+            <a:off x="5123653" y="3619878"/>
+            <a:ext cx="1557151" cy="593856"/>
           </a:xfrm>
           <a:prstGeom prst="ellipse">
             <a:avLst/>
@@ -5547,14 +5531,14 @@
       </p:sp>
       <p:sp>
         <p:nvSpPr>
-          <p:cNvPr id="16" name="Shape 44"/>
+          <p:cNvPr id="20" name="Shape 27"/>
           <p:cNvSpPr/>
           <p:nvPr/>
         </p:nvSpPr>
         <p:spPr>
           <a:xfrm>
-            <a:off x="248270" y="522984"/>
-            <a:ext cx="2027100" cy="300480"/>
+            <a:off x="4284849" y="1138650"/>
+            <a:ext cx="1985322" cy="593856"/>
           </a:xfrm>
           <a:prstGeom prst="ellipse">
             <a:avLst/>
